--- a/Lecture Slides/VideoLectureSlides/12.7.pptx
+++ b/Lecture Slides/VideoLectureSlides/12.7.pptx
@@ -231,7 +231,7 @@
           <a:p>
             <a:fld id="{1AA1AB63-216F-4D5B-8811-CCB935E98D4A}" type="datetimeFigureOut">
               <a:rPr lang="en-US" smtClean="0"/>
-              <a:t>9/20/21</a:t>
+              <a:t>1/13/2022</a:t>
             </a:fld>
             <a:endParaRPr lang="en-US" dirty="0"/>
           </a:p>
@@ -3794,1466 +3794,6 @@
       </p:sp>
       <p:sp>
         <p:nvSpPr>
-          <p:cNvPr id="5" name="Rounded Rectangle 5">
-            <a:extLst>
-              <a:ext uri="{FF2B5EF4-FFF2-40B4-BE49-F238E27FC236}">
-                <a16:creationId xmlns:a16="http://schemas.microsoft.com/office/drawing/2014/main" id="{820F3930-2A4A-4746-B2B2-F5976285AFBD}"/>
-              </a:ext>
-            </a:extLst>
-          </p:cNvPr>
-          <p:cNvSpPr/>
-          <p:nvPr/>
-        </p:nvSpPr>
-        <p:spPr>
-          <a:xfrm>
-            <a:off x="1018612" y="5610104"/>
-            <a:ext cx="1828800" cy="1006929"/>
-          </a:xfrm>
-          <a:prstGeom prst="roundRect">
-            <a:avLst>
-              <a:gd name="adj" fmla="val 50000"/>
-            </a:avLst>
-          </a:prstGeom>
-        </p:spPr>
-        <p:style>
-          <a:lnRef idx="2">
-            <a:schemeClr val="accent6">
-              <a:shade val="50000"/>
-            </a:schemeClr>
-          </a:lnRef>
-          <a:fillRef idx="1">
-            <a:schemeClr val="accent6"/>
-          </a:fillRef>
-          <a:effectRef idx="0">
-            <a:schemeClr val="accent6"/>
-          </a:effectRef>
-          <a:fontRef idx="minor">
-            <a:schemeClr val="lt1"/>
-          </a:fontRef>
-        </p:style>
-        <p:txBody>
-          <a:bodyPr rtlCol="0" anchor="ctr"/>
-          <a:lstStyle/>
-          <a:p>
-            <a:pPr algn="ctr"/>
-            <a:endParaRPr lang="en-US"/>
-          </a:p>
-        </p:txBody>
-      </p:sp>
-      <p:grpSp>
-        <p:nvGrpSpPr>
-          <p:cNvPr id="6" name="Group 5">
-            <a:extLst>
-              <a:ext uri="{FF2B5EF4-FFF2-40B4-BE49-F238E27FC236}">
-                <a16:creationId xmlns:a16="http://schemas.microsoft.com/office/drawing/2014/main" id="{953319DD-FEF3-4BF2-932A-4A10D6074A28}"/>
-              </a:ext>
-            </a:extLst>
-          </p:cNvPr>
-          <p:cNvGrpSpPr/>
-          <p:nvPr/>
-        </p:nvGrpSpPr>
-        <p:grpSpPr>
-          <a:xfrm rot="21079525">
-            <a:off x="1790926" y="3826942"/>
-            <a:ext cx="3429000" cy="1877593"/>
-            <a:chOff x="2344889" y="2271835"/>
-            <a:chExt cx="3429000" cy="1877593"/>
-          </a:xfrm>
-        </p:grpSpPr>
-        <p:sp>
-          <p:nvSpPr>
-            <p:cNvPr id="7" name="Rounded Rectangle 4">
-              <a:extLst>
-                <a:ext uri="{FF2B5EF4-FFF2-40B4-BE49-F238E27FC236}">
-                  <a16:creationId xmlns:a16="http://schemas.microsoft.com/office/drawing/2014/main" id="{349F1EC3-35B4-4E9C-8799-8C35E6097AAE}"/>
-                </a:ext>
-              </a:extLst>
-            </p:cNvPr>
-            <p:cNvSpPr/>
-            <p:nvPr/>
-          </p:nvSpPr>
-          <p:spPr>
-            <a:xfrm rot="20500709">
-              <a:off x="2344889" y="3616028"/>
-              <a:ext cx="3429000" cy="533400"/>
-            </a:xfrm>
-            <a:prstGeom prst="roundRect">
-              <a:avLst>
-                <a:gd name="adj" fmla="val 50000"/>
-              </a:avLst>
-            </a:prstGeom>
-            <a:solidFill>
-              <a:srgbClr val="FFFF00"/>
-            </a:solidFill>
-          </p:spPr>
-          <p:style>
-            <a:lnRef idx="2">
-              <a:schemeClr val="accent6">
-                <a:shade val="50000"/>
-              </a:schemeClr>
-            </a:lnRef>
-            <a:fillRef idx="1">
-              <a:schemeClr val="accent6"/>
-            </a:fillRef>
-            <a:effectRef idx="0">
-              <a:schemeClr val="accent6"/>
-            </a:effectRef>
-            <a:fontRef idx="minor">
-              <a:schemeClr val="lt1"/>
-            </a:fontRef>
-          </p:style>
-          <p:txBody>
-            <a:bodyPr rtlCol="0" anchor="ctr"/>
-            <a:lstStyle/>
-            <a:p>
-              <a:pPr algn="ctr"/>
-              <a:endParaRPr lang="en-US"/>
-            </a:p>
-          </p:txBody>
-        </p:sp>
-        <p:cxnSp>
-          <p:nvCxnSpPr>
-            <p:cNvPr id="8" name="Straight Connector 7">
-              <a:extLst>
-                <a:ext uri="{FF2B5EF4-FFF2-40B4-BE49-F238E27FC236}">
-                  <a16:creationId xmlns:a16="http://schemas.microsoft.com/office/drawing/2014/main" id="{EAC25960-B44D-4F1F-AA5E-C36DE7FD25DD}"/>
-                </a:ext>
-              </a:extLst>
-            </p:cNvPr>
-            <p:cNvCxnSpPr/>
-            <p:nvPr/>
-          </p:nvCxnSpPr>
-          <p:spPr>
-            <a:xfrm rot="20500709" flipV="1">
-              <a:off x="5202829" y="2271835"/>
-              <a:ext cx="0" cy="838200"/>
-            </a:xfrm>
-            <a:prstGeom prst="line">
-              <a:avLst/>
-            </a:prstGeom>
-          </p:spPr>
-          <p:style>
-            <a:lnRef idx="1">
-              <a:schemeClr val="accent1"/>
-            </a:lnRef>
-            <a:fillRef idx="0">
-              <a:schemeClr val="accent1"/>
-            </a:fillRef>
-            <a:effectRef idx="0">
-              <a:schemeClr val="accent1"/>
-            </a:effectRef>
-            <a:fontRef idx="minor">
-              <a:schemeClr val="tx1"/>
-            </a:fontRef>
-          </p:style>
-        </p:cxnSp>
-        <p:cxnSp>
-          <p:nvCxnSpPr>
-            <p:cNvPr id="9" name="Straight Connector 8">
-              <a:extLst>
-                <a:ext uri="{FF2B5EF4-FFF2-40B4-BE49-F238E27FC236}">
-                  <a16:creationId xmlns:a16="http://schemas.microsoft.com/office/drawing/2014/main" id="{F9BAB0BD-B4F3-4150-9929-5F9E4A690123}"/>
-                </a:ext>
-              </a:extLst>
-            </p:cNvPr>
-            <p:cNvCxnSpPr/>
-            <p:nvPr/>
-          </p:nvCxnSpPr>
-          <p:spPr>
-            <a:xfrm rot="20500709" flipV="1">
-              <a:off x="2445252" y="3184965"/>
-              <a:ext cx="0" cy="838200"/>
-            </a:xfrm>
-            <a:prstGeom prst="line">
-              <a:avLst/>
-            </a:prstGeom>
-          </p:spPr>
-          <p:style>
-            <a:lnRef idx="1">
-              <a:schemeClr val="accent1"/>
-            </a:lnRef>
-            <a:fillRef idx="0">
-              <a:schemeClr val="accent1"/>
-            </a:fillRef>
-            <a:effectRef idx="0">
-              <a:schemeClr val="accent1"/>
-            </a:effectRef>
-            <a:fontRef idx="minor">
-              <a:schemeClr val="tx1"/>
-            </a:fontRef>
-          </p:style>
-        </p:cxnSp>
-        <p:cxnSp>
-          <p:nvCxnSpPr>
-            <p:cNvPr id="10" name="Straight Connector 9">
-              <a:extLst>
-                <a:ext uri="{FF2B5EF4-FFF2-40B4-BE49-F238E27FC236}">
-                  <a16:creationId xmlns:a16="http://schemas.microsoft.com/office/drawing/2014/main" id="{CD1AAFBF-FF3D-4093-8FB7-4A0B5FBA1E21}"/>
-                </a:ext>
-              </a:extLst>
-            </p:cNvPr>
-            <p:cNvCxnSpPr/>
-            <p:nvPr/>
-          </p:nvCxnSpPr>
-          <p:spPr>
-            <a:xfrm rot="20500709">
-              <a:off x="2372412" y="3152373"/>
-              <a:ext cx="2873828" cy="0"/>
-            </a:xfrm>
-            <a:prstGeom prst="line">
-              <a:avLst/>
-            </a:prstGeom>
-          </p:spPr>
-          <p:style>
-            <a:lnRef idx="1">
-              <a:schemeClr val="accent1"/>
-            </a:lnRef>
-            <a:fillRef idx="0">
-              <a:schemeClr val="accent1"/>
-            </a:fillRef>
-            <a:effectRef idx="0">
-              <a:schemeClr val="accent1"/>
-            </a:effectRef>
-            <a:fontRef idx="minor">
-              <a:schemeClr val="tx1"/>
-            </a:fontRef>
-          </p:style>
-        </p:cxnSp>
-        <p:sp>
-          <p:nvSpPr>
-            <p:cNvPr id="11" name="TextBox 10">
-              <a:extLst>
-                <a:ext uri="{FF2B5EF4-FFF2-40B4-BE49-F238E27FC236}">
-                  <a16:creationId xmlns:a16="http://schemas.microsoft.com/office/drawing/2014/main" id="{48AFECCD-3CE7-46BF-80A0-F2DA0F65CD24}"/>
-                </a:ext>
-              </a:extLst>
-            </p:cNvPr>
-            <p:cNvSpPr txBox="1"/>
-            <p:nvPr/>
-          </p:nvSpPr>
-          <p:spPr>
-            <a:xfrm rot="20500709">
-              <a:off x="3567939" y="2970237"/>
-              <a:ext cx="502061" cy="369332"/>
-            </a:xfrm>
-            <a:prstGeom prst="rect">
-              <a:avLst/>
-            </a:prstGeom>
-            <a:solidFill>
-              <a:schemeClr val="bg1"/>
-            </a:solidFill>
-          </p:spPr>
-          <p:txBody>
-            <a:bodyPr wrap="none" rtlCol="0">
-              <a:spAutoFit/>
-            </a:bodyPr>
-            <a:lstStyle/>
-            <a:p>
-              <a:r>
-                <a:rPr lang="en-US" dirty="0">
-                  <a:solidFill>
-                    <a:srgbClr val="0070C0"/>
-                  </a:solidFill>
-                </a:rPr>
-                <a:t>3 ft</a:t>
-              </a:r>
-            </a:p>
-          </p:txBody>
-        </p:sp>
-      </p:grpSp>
-      <p:sp>
-        <p:nvSpPr>
-          <p:cNvPr id="12" name="Rounded Rectangle 7">
-            <a:extLst>
-              <a:ext uri="{FF2B5EF4-FFF2-40B4-BE49-F238E27FC236}">
-                <a16:creationId xmlns:a16="http://schemas.microsoft.com/office/drawing/2014/main" id="{491B24ED-B541-410A-9712-FDAEC1E63F0A}"/>
-              </a:ext>
-            </a:extLst>
-          </p:cNvPr>
-          <p:cNvSpPr/>
-          <p:nvPr/>
-        </p:nvSpPr>
-        <p:spPr>
-          <a:xfrm>
-            <a:off x="2229104" y="6022128"/>
-            <a:ext cx="182880" cy="182880"/>
-          </a:xfrm>
-          <a:prstGeom prst="roundRect">
-            <a:avLst>
-              <a:gd name="adj" fmla="val 50000"/>
-            </a:avLst>
-          </a:prstGeom>
-        </p:spPr>
-        <p:style>
-          <a:lnRef idx="2">
-            <a:schemeClr val="dk1">
-              <a:shade val="50000"/>
-            </a:schemeClr>
-          </a:lnRef>
-          <a:fillRef idx="1">
-            <a:schemeClr val="dk1"/>
-          </a:fillRef>
-          <a:effectRef idx="0">
-            <a:schemeClr val="dk1"/>
-          </a:effectRef>
-          <a:fontRef idx="minor">
-            <a:schemeClr val="lt1"/>
-          </a:fontRef>
-        </p:style>
-        <p:txBody>
-          <a:bodyPr rtlCol="0" anchor="ctr"/>
-          <a:lstStyle/>
-          <a:p>
-            <a:pPr algn="ctr"/>
-            <a:endParaRPr lang="en-US"/>
-          </a:p>
-        </p:txBody>
-      </p:sp>
-      <p:grpSp>
-        <p:nvGrpSpPr>
-          <p:cNvPr id="13" name="Group 12">
-            <a:extLst>
-              <a:ext uri="{FF2B5EF4-FFF2-40B4-BE49-F238E27FC236}">
-                <a16:creationId xmlns:a16="http://schemas.microsoft.com/office/drawing/2014/main" id="{57F832E4-C654-4A00-8D2E-B65942726A77}"/>
-              </a:ext>
-            </a:extLst>
-          </p:cNvPr>
-          <p:cNvGrpSpPr/>
-          <p:nvPr/>
-        </p:nvGrpSpPr>
-        <p:grpSpPr>
-          <a:xfrm rot="2339124">
-            <a:off x="4720648" y="4419248"/>
-            <a:ext cx="2580866" cy="1338469"/>
-            <a:chOff x="5977282" y="1234920"/>
-            <a:chExt cx="2580866" cy="1338469"/>
-          </a:xfrm>
-        </p:grpSpPr>
-        <p:sp>
-          <p:nvSpPr>
-            <p:cNvPr id="14" name="Rounded Rectangle 6">
-              <a:extLst>
-                <a:ext uri="{FF2B5EF4-FFF2-40B4-BE49-F238E27FC236}">
-                  <a16:creationId xmlns:a16="http://schemas.microsoft.com/office/drawing/2014/main" id="{66EB7F49-8BCD-46C8-B937-1E2B3C5866E0}"/>
-                </a:ext>
-              </a:extLst>
-            </p:cNvPr>
-            <p:cNvSpPr/>
-            <p:nvPr/>
-          </p:nvSpPr>
-          <p:spPr>
-            <a:xfrm>
-              <a:off x="5977282" y="2142620"/>
-              <a:ext cx="2580866" cy="430769"/>
-            </a:xfrm>
-            <a:prstGeom prst="roundRect">
-              <a:avLst>
-                <a:gd name="adj" fmla="val 50000"/>
-              </a:avLst>
-            </a:prstGeom>
-            <a:solidFill>
-              <a:srgbClr val="FFFF00"/>
-            </a:solidFill>
-          </p:spPr>
-          <p:style>
-            <a:lnRef idx="2">
-              <a:schemeClr val="accent6">
-                <a:shade val="50000"/>
-              </a:schemeClr>
-            </a:lnRef>
-            <a:fillRef idx="1">
-              <a:schemeClr val="accent6"/>
-            </a:fillRef>
-            <a:effectRef idx="0">
-              <a:schemeClr val="accent6"/>
-            </a:effectRef>
-            <a:fontRef idx="minor">
-              <a:schemeClr val="lt1"/>
-            </a:fontRef>
-          </p:style>
-          <p:txBody>
-            <a:bodyPr rtlCol="0" anchor="ctr"/>
-            <a:lstStyle/>
-            <a:p>
-              <a:pPr algn="ctr"/>
-              <a:endParaRPr lang="en-US"/>
-            </a:p>
-          </p:txBody>
-        </p:sp>
-        <p:cxnSp>
-          <p:nvCxnSpPr>
-            <p:cNvPr id="15" name="Straight Connector 14">
-              <a:extLst>
-                <a:ext uri="{FF2B5EF4-FFF2-40B4-BE49-F238E27FC236}">
-                  <a16:creationId xmlns:a16="http://schemas.microsoft.com/office/drawing/2014/main" id="{6EBB3BEB-BDE3-4398-8B02-201EF17035B2}"/>
-                </a:ext>
-              </a:extLst>
-            </p:cNvPr>
-            <p:cNvCxnSpPr/>
-            <p:nvPr/>
-          </p:nvCxnSpPr>
-          <p:spPr>
-            <a:xfrm flipV="1">
-              <a:off x="8382000" y="1234920"/>
-              <a:ext cx="0" cy="838200"/>
-            </a:xfrm>
-            <a:prstGeom prst="line">
-              <a:avLst/>
-            </a:prstGeom>
-          </p:spPr>
-          <p:style>
-            <a:lnRef idx="1">
-              <a:schemeClr val="accent1"/>
-            </a:lnRef>
-            <a:fillRef idx="0">
-              <a:schemeClr val="accent1"/>
-            </a:fillRef>
-            <a:effectRef idx="0">
-              <a:schemeClr val="accent1"/>
-            </a:effectRef>
-            <a:fontRef idx="minor">
-              <a:schemeClr val="tx1"/>
-            </a:fontRef>
-          </p:style>
-        </p:cxnSp>
-        <p:cxnSp>
-          <p:nvCxnSpPr>
-            <p:cNvPr id="16" name="Straight Connector 15">
-              <a:extLst>
-                <a:ext uri="{FF2B5EF4-FFF2-40B4-BE49-F238E27FC236}">
-                  <a16:creationId xmlns:a16="http://schemas.microsoft.com/office/drawing/2014/main" id="{98ED3666-DE09-44B4-B4D2-1A75A4058995}"/>
-                </a:ext>
-              </a:extLst>
-            </p:cNvPr>
-            <p:cNvCxnSpPr/>
-            <p:nvPr/>
-          </p:nvCxnSpPr>
-          <p:spPr>
-            <a:xfrm flipV="1">
-              <a:off x="6169537" y="1234920"/>
-              <a:ext cx="0" cy="838200"/>
-            </a:xfrm>
-            <a:prstGeom prst="line">
-              <a:avLst/>
-            </a:prstGeom>
-          </p:spPr>
-          <p:style>
-            <a:lnRef idx="1">
-              <a:schemeClr val="accent1"/>
-            </a:lnRef>
-            <a:fillRef idx="0">
-              <a:schemeClr val="accent1"/>
-            </a:fillRef>
-            <a:effectRef idx="0">
-              <a:schemeClr val="accent1"/>
-            </a:effectRef>
-            <a:fontRef idx="minor">
-              <a:schemeClr val="tx1"/>
-            </a:fontRef>
-          </p:style>
-        </p:cxnSp>
-        <p:cxnSp>
-          <p:nvCxnSpPr>
-            <p:cNvPr id="17" name="Straight Connector 16">
-              <a:extLst>
-                <a:ext uri="{FF2B5EF4-FFF2-40B4-BE49-F238E27FC236}">
-                  <a16:creationId xmlns:a16="http://schemas.microsoft.com/office/drawing/2014/main" id="{6F0702DC-972E-4FC0-898B-61D30D1C578E}"/>
-                </a:ext>
-              </a:extLst>
-            </p:cNvPr>
-            <p:cNvCxnSpPr>
-              <a:cxnSpLocks/>
-            </p:cNvCxnSpPr>
-            <p:nvPr/>
-          </p:nvCxnSpPr>
-          <p:spPr>
-            <a:xfrm>
-              <a:off x="6169537" y="1654020"/>
-              <a:ext cx="2212463" cy="0"/>
-            </a:xfrm>
-            <a:prstGeom prst="line">
-              <a:avLst/>
-            </a:prstGeom>
-          </p:spPr>
-          <p:style>
-            <a:lnRef idx="1">
-              <a:schemeClr val="accent1"/>
-            </a:lnRef>
-            <a:fillRef idx="0">
-              <a:schemeClr val="accent1"/>
-            </a:fillRef>
-            <a:effectRef idx="0">
-              <a:schemeClr val="accent1"/>
-            </a:effectRef>
-            <a:fontRef idx="minor">
-              <a:schemeClr val="tx1"/>
-            </a:fontRef>
-          </p:style>
-        </p:cxnSp>
-        <p:sp>
-          <p:nvSpPr>
-            <p:cNvPr id="18" name="TextBox 17">
-              <a:extLst>
-                <a:ext uri="{FF2B5EF4-FFF2-40B4-BE49-F238E27FC236}">
-                  <a16:creationId xmlns:a16="http://schemas.microsoft.com/office/drawing/2014/main" id="{F2F8341B-AFE1-43F3-ACF3-420CFE4EA8CF}"/>
-                </a:ext>
-              </a:extLst>
-            </p:cNvPr>
-            <p:cNvSpPr txBox="1"/>
-            <p:nvPr/>
-          </p:nvSpPr>
-          <p:spPr>
-            <a:xfrm>
-              <a:off x="7467504" y="1406321"/>
-              <a:ext cx="502061" cy="369332"/>
-            </a:xfrm>
-            <a:prstGeom prst="rect">
-              <a:avLst/>
-            </a:prstGeom>
-            <a:solidFill>
-              <a:schemeClr val="bg1"/>
-            </a:solidFill>
-          </p:spPr>
-          <p:txBody>
-            <a:bodyPr wrap="none" rtlCol="0">
-              <a:spAutoFit/>
-            </a:bodyPr>
-            <a:lstStyle/>
-            <a:p>
-              <a:r>
-                <a:rPr lang="en-US" dirty="0">
-                  <a:solidFill>
-                    <a:srgbClr val="0070C0"/>
-                  </a:solidFill>
-                </a:rPr>
-                <a:t>2 ft</a:t>
-              </a:r>
-            </a:p>
-          </p:txBody>
-        </p:sp>
-      </p:grpSp>
-      <p:sp>
-        <p:nvSpPr>
-          <p:cNvPr id="19" name="Rounded Rectangle 8">
-            <a:extLst>
-              <a:ext uri="{FF2B5EF4-FFF2-40B4-BE49-F238E27FC236}">
-                <a16:creationId xmlns:a16="http://schemas.microsoft.com/office/drawing/2014/main" id="{F68A961F-E18F-4F9B-9B64-6AAA64194317}"/>
-              </a:ext>
-            </a:extLst>
-          </p:cNvPr>
-          <p:cNvSpPr/>
-          <p:nvPr/>
-        </p:nvSpPr>
-        <p:spPr>
-          <a:xfrm rot="20500709">
-            <a:off x="4800850" y="4687498"/>
-            <a:ext cx="182880" cy="182880"/>
-          </a:xfrm>
-          <a:prstGeom prst="roundRect">
-            <a:avLst>
-              <a:gd name="adj" fmla="val 50000"/>
-            </a:avLst>
-          </a:prstGeom>
-        </p:spPr>
-        <p:style>
-          <a:lnRef idx="2">
-            <a:schemeClr val="dk1">
-              <a:shade val="50000"/>
-            </a:schemeClr>
-          </a:lnRef>
-          <a:fillRef idx="1">
-            <a:schemeClr val="dk1"/>
-          </a:fillRef>
-          <a:effectRef idx="0">
-            <a:schemeClr val="dk1"/>
-          </a:effectRef>
-          <a:fontRef idx="minor">
-            <a:schemeClr val="lt1"/>
-          </a:fontRef>
-        </p:style>
-        <p:txBody>
-          <a:bodyPr rtlCol="0" anchor="ctr"/>
-          <a:lstStyle/>
-          <a:p>
-            <a:pPr algn="ctr"/>
-            <a:endParaRPr lang="en-US"/>
-          </a:p>
-        </p:txBody>
-      </p:sp>
-      <mc:AlternateContent xmlns:mc="http://schemas.openxmlformats.org/markup-compatibility/2006" xmlns:a14="http://schemas.microsoft.com/office/drawing/2010/main">
-        <mc:Choice Requires="a14">
-          <p:sp>
-            <p:nvSpPr>
-              <p:cNvPr id="20" name="TextBox 19">
-                <a:extLst>
-                  <a:ext uri="{FF2B5EF4-FFF2-40B4-BE49-F238E27FC236}">
-                    <a16:creationId xmlns:a16="http://schemas.microsoft.com/office/drawing/2014/main" id="{194C5A86-7D56-46FD-97B1-5926272F5106}"/>
-                  </a:ext>
-                </a:extLst>
-              </p:cNvPr>
-              <p:cNvSpPr txBox="1"/>
-              <p:nvPr/>
-            </p:nvSpPr>
-            <p:spPr>
-              <a:xfrm>
-                <a:off x="3615028" y="5772795"/>
-                <a:ext cx="198772" cy="307777"/>
-              </a:xfrm>
-              <a:prstGeom prst="rect">
-                <a:avLst/>
-              </a:prstGeom>
-              <a:noFill/>
-            </p:spPr>
-            <p:txBody>
-              <a:bodyPr wrap="none" lIns="0" tIns="0" rIns="0" bIns="0" rtlCol="0">
-                <a:spAutoFit/>
-              </a:bodyPr>
-              <a:lstStyle/>
-              <a:p>
-                <a:pPr/>
-                <a14:m>
-                  <m:oMathPara xmlns:m="http://schemas.openxmlformats.org/officeDocument/2006/math">
-                    <m:oMathParaPr>
-                      <m:jc m:val="centerGroup"/>
-                    </m:oMathParaPr>
-                    <m:oMath xmlns:m="http://schemas.openxmlformats.org/officeDocument/2006/math">
-                      <m:r>
-                        <m:rPr>
-                          <m:sty m:val="p"/>
-                        </m:rPr>
-                        <a:rPr lang="en-US" sz="2000" i="0" smtClean="0">
-                          <a:solidFill>
-                            <a:schemeClr val="accent1"/>
-                          </a:solidFill>
-                          <a:latin typeface="Cambria Math" panose="02040503050406030204" pitchFamily="18" charset="0"/>
-                          <a:ea typeface="Cambria Math" panose="02040503050406030204" pitchFamily="18" charset="0"/>
-                        </a:rPr>
-                        <m:t>θ</m:t>
-                      </m:r>
-                    </m:oMath>
-                  </m:oMathPara>
-                </a14:m>
-                <a:endParaRPr lang="en-US" sz="2000" dirty="0">
-                  <a:solidFill>
-                    <a:schemeClr val="accent1"/>
-                  </a:solidFill>
-                </a:endParaRPr>
-              </a:p>
-            </p:txBody>
-          </p:sp>
-        </mc:Choice>
-        <mc:Fallback xmlns="">
-          <p:sp>
-            <p:nvSpPr>
-              <p:cNvPr id="20" name="TextBox 19">
-                <a:extLst>
-                  <a:ext uri="{FF2B5EF4-FFF2-40B4-BE49-F238E27FC236}">
-                    <a16:creationId xmlns:a16="http://schemas.microsoft.com/office/drawing/2014/main" id="{194C5A86-7D56-46FD-97B1-5926272F5106}"/>
-                  </a:ext>
-                </a:extLst>
-              </p:cNvPr>
-              <p:cNvSpPr txBox="1">
-                <a:spLocks noRot="1" noChangeAspect="1" noMove="1" noResize="1" noEditPoints="1" noAdjustHandles="1" noChangeArrowheads="1" noChangeShapeType="1" noTextEdit="1"/>
-              </p:cNvSpPr>
-              <p:nvPr/>
-            </p:nvSpPr>
-            <p:spPr>
-              <a:xfrm>
-                <a:off x="3615028" y="5772795"/>
-                <a:ext cx="198772" cy="307777"/>
-              </a:xfrm>
-              <a:prstGeom prst="rect">
-                <a:avLst/>
-              </a:prstGeom>
-              <a:blipFill>
-                <a:blip r:embed="rId2"/>
-                <a:stretch>
-                  <a:fillRect l="-30303" r="-30303" b="-8000"/>
-                </a:stretch>
-              </a:blipFill>
-            </p:spPr>
-            <p:txBody>
-              <a:bodyPr/>
-              <a:lstStyle/>
-              <a:p>
-                <a:r>
-                  <a:rPr lang="en-US">
-                    <a:noFill/>
-                  </a:rPr>
-                  <a:t> </a:t>
-                </a:r>
-              </a:p>
-            </p:txBody>
-          </p:sp>
-        </mc:Fallback>
-      </mc:AlternateContent>
-      <mc:AlternateContent xmlns:mc="http://schemas.openxmlformats.org/markup-compatibility/2006" xmlns:a14="http://schemas.microsoft.com/office/drawing/2010/main">
-        <mc:Choice Requires="a14">
-          <p:sp>
-            <p:nvSpPr>
-              <p:cNvPr id="21" name="TextBox 20">
-                <a:extLst>
-                  <a:ext uri="{FF2B5EF4-FFF2-40B4-BE49-F238E27FC236}">
-                    <a16:creationId xmlns:a16="http://schemas.microsoft.com/office/drawing/2014/main" id="{9232BCF9-C00A-489C-8BE4-931199B905B1}"/>
-                  </a:ext>
-                </a:extLst>
-              </p:cNvPr>
-              <p:cNvSpPr txBox="1"/>
-              <p:nvPr/>
-            </p:nvSpPr>
-            <p:spPr>
-              <a:xfrm>
-                <a:off x="5819738" y="4887457"/>
-                <a:ext cx="237950" cy="307777"/>
-              </a:xfrm>
-              <a:prstGeom prst="rect">
-                <a:avLst/>
-              </a:prstGeom>
-              <a:noFill/>
-            </p:spPr>
-            <p:txBody>
-              <a:bodyPr wrap="square" lIns="0" tIns="0" rIns="0" bIns="0" rtlCol="0">
-                <a:spAutoFit/>
-              </a:bodyPr>
-              <a:lstStyle/>
-              <a:p>
-                <a:pPr/>
-                <a14:m>
-                  <m:oMathPara xmlns:m="http://schemas.openxmlformats.org/officeDocument/2006/math">
-                    <m:oMathParaPr>
-                      <m:jc m:val="centerGroup"/>
-                    </m:oMathParaPr>
-                    <m:oMath xmlns:m="http://schemas.openxmlformats.org/officeDocument/2006/math">
-                      <m:r>
-                        <m:rPr>
-                          <m:sty m:val="p"/>
-                        </m:rPr>
-                        <a:rPr lang="en-US" sz="2000" i="0" smtClean="0">
-                          <a:solidFill>
-                            <a:schemeClr val="accent1"/>
-                          </a:solidFill>
-                          <a:latin typeface="Cambria Math" panose="02040503050406030204" pitchFamily="18" charset="0"/>
-                          <a:ea typeface="Cambria Math" panose="02040503050406030204" pitchFamily="18" charset="0"/>
-                        </a:rPr>
-                        <m:t>ϕ</m:t>
-                      </m:r>
-                    </m:oMath>
-                  </m:oMathPara>
-                </a14:m>
-                <a:endParaRPr lang="en-US" sz="2000" dirty="0">
-                  <a:solidFill>
-                    <a:schemeClr val="accent1"/>
-                  </a:solidFill>
-                </a:endParaRPr>
-              </a:p>
-            </p:txBody>
-          </p:sp>
-        </mc:Choice>
-        <mc:Fallback xmlns="">
-          <p:sp>
-            <p:nvSpPr>
-              <p:cNvPr id="21" name="TextBox 20">
-                <a:extLst>
-                  <a:ext uri="{FF2B5EF4-FFF2-40B4-BE49-F238E27FC236}">
-                    <a16:creationId xmlns:a16="http://schemas.microsoft.com/office/drawing/2014/main" id="{9232BCF9-C00A-489C-8BE4-931199B905B1}"/>
-                  </a:ext>
-                </a:extLst>
-              </p:cNvPr>
-              <p:cNvSpPr txBox="1">
-                <a:spLocks noRot="1" noChangeAspect="1" noMove="1" noResize="1" noEditPoints="1" noAdjustHandles="1" noChangeArrowheads="1" noChangeShapeType="1" noTextEdit="1"/>
-              </p:cNvSpPr>
-              <p:nvPr/>
-            </p:nvSpPr>
-            <p:spPr>
-              <a:xfrm>
-                <a:off x="5819738" y="4887457"/>
-                <a:ext cx="237950" cy="307777"/>
-              </a:xfrm>
-              <a:prstGeom prst="rect">
-                <a:avLst/>
-              </a:prstGeom>
-              <a:blipFill>
-                <a:blip r:embed="rId3"/>
-                <a:stretch>
-                  <a:fillRect l="-35897" r="-38462" b="-34000"/>
-                </a:stretch>
-              </a:blipFill>
-            </p:spPr>
-            <p:txBody>
-              <a:bodyPr/>
-              <a:lstStyle/>
-              <a:p>
-                <a:r>
-                  <a:rPr lang="en-US">
-                    <a:noFill/>
-                  </a:rPr>
-                  <a:t> </a:t>
-                </a:r>
-              </a:p>
-            </p:txBody>
-          </p:sp>
-        </mc:Fallback>
-      </mc:AlternateContent>
-      <p:cxnSp>
-        <p:nvCxnSpPr>
-          <p:cNvPr id="22" name="Straight Connector 21">
-            <a:extLst>
-              <a:ext uri="{FF2B5EF4-FFF2-40B4-BE49-F238E27FC236}">
-                <a16:creationId xmlns:a16="http://schemas.microsoft.com/office/drawing/2014/main" id="{CCBE5250-90CF-4C5E-AFE7-07636A8103A7}"/>
-              </a:ext>
-            </a:extLst>
-          </p:cNvPr>
-          <p:cNvCxnSpPr/>
-          <p:nvPr/>
-        </p:nvCxnSpPr>
-        <p:spPr>
-          <a:xfrm>
-            <a:off x="5051160" y="4778938"/>
-            <a:ext cx="1234440" cy="0"/>
-          </a:xfrm>
-          <a:prstGeom prst="line">
-            <a:avLst/>
-          </a:prstGeom>
-        </p:spPr>
-        <p:style>
-          <a:lnRef idx="1">
-            <a:schemeClr val="accent1"/>
-          </a:lnRef>
-          <a:fillRef idx="0">
-            <a:schemeClr val="accent1"/>
-          </a:fillRef>
-          <a:effectRef idx="0">
-            <a:schemeClr val="accent1"/>
-          </a:effectRef>
-          <a:fontRef idx="minor">
-            <a:schemeClr val="tx1"/>
-          </a:fontRef>
-        </p:style>
-      </p:cxnSp>
-      <p:cxnSp>
-        <p:nvCxnSpPr>
-          <p:cNvPr id="23" name="Straight Connector 22">
-            <a:extLst>
-              <a:ext uri="{FF2B5EF4-FFF2-40B4-BE49-F238E27FC236}">
-                <a16:creationId xmlns:a16="http://schemas.microsoft.com/office/drawing/2014/main" id="{8E4D49F0-AFBB-4FC0-9831-1010B8D73723}"/>
-              </a:ext>
-            </a:extLst>
-          </p:cNvPr>
-          <p:cNvCxnSpPr/>
-          <p:nvPr/>
-        </p:nvCxnSpPr>
-        <p:spPr>
-          <a:xfrm>
-            <a:off x="2606419" y="6112933"/>
-            <a:ext cx="1234440" cy="0"/>
-          </a:xfrm>
-          <a:prstGeom prst="line">
-            <a:avLst/>
-          </a:prstGeom>
-        </p:spPr>
-        <p:style>
-          <a:lnRef idx="1">
-            <a:schemeClr val="accent1"/>
-          </a:lnRef>
-          <a:fillRef idx="0">
-            <a:schemeClr val="accent1"/>
-          </a:fillRef>
-          <a:effectRef idx="0">
-            <a:schemeClr val="accent1"/>
-          </a:effectRef>
-          <a:fontRef idx="minor">
-            <a:schemeClr val="tx1"/>
-          </a:fontRef>
-        </p:style>
-      </p:cxnSp>
-      <p:sp>
-        <p:nvSpPr>
-          <p:cNvPr id="24" name="Arc 23">
-            <a:extLst>
-              <a:ext uri="{FF2B5EF4-FFF2-40B4-BE49-F238E27FC236}">
-                <a16:creationId xmlns:a16="http://schemas.microsoft.com/office/drawing/2014/main" id="{A1BBB3FF-747A-43DD-818F-16AEFAEA02F9}"/>
-              </a:ext>
-            </a:extLst>
-          </p:cNvPr>
-          <p:cNvSpPr/>
-          <p:nvPr/>
-        </p:nvSpPr>
-        <p:spPr>
-          <a:xfrm>
-            <a:off x="1402420" y="5181600"/>
-            <a:ext cx="1828800" cy="1828800"/>
-          </a:xfrm>
-          <a:prstGeom prst="arc">
-            <a:avLst>
-              <a:gd name="adj1" fmla="val 19897291"/>
-              <a:gd name="adj2" fmla="val 107761"/>
-            </a:avLst>
-          </a:prstGeom>
-        </p:spPr>
-        <p:style>
-          <a:lnRef idx="1">
-            <a:schemeClr val="accent1"/>
-          </a:lnRef>
-          <a:fillRef idx="0">
-            <a:schemeClr val="accent1"/>
-          </a:fillRef>
-          <a:effectRef idx="0">
-            <a:schemeClr val="accent1"/>
-          </a:effectRef>
-          <a:fontRef idx="minor">
-            <a:schemeClr val="tx1"/>
-          </a:fontRef>
-        </p:style>
-        <p:txBody>
-          <a:bodyPr rtlCol="0" anchor="ctr"/>
-          <a:lstStyle/>
-          <a:p>
-            <a:pPr algn="ctr"/>
-            <a:endParaRPr lang="en-US"/>
-          </a:p>
-        </p:txBody>
-      </p:sp>
-      <p:sp>
-        <p:nvSpPr>
-          <p:cNvPr id="25" name="Arc 24">
-            <a:extLst>
-              <a:ext uri="{FF2B5EF4-FFF2-40B4-BE49-F238E27FC236}">
-                <a16:creationId xmlns:a16="http://schemas.microsoft.com/office/drawing/2014/main" id="{63772FC7-B5FB-49F3-84AB-278D3B4AAEE2}"/>
-              </a:ext>
-            </a:extLst>
-          </p:cNvPr>
-          <p:cNvSpPr/>
-          <p:nvPr/>
-        </p:nvSpPr>
-        <p:spPr>
-          <a:xfrm>
-            <a:off x="3980473" y="3843884"/>
-            <a:ext cx="1828800" cy="1828800"/>
-          </a:xfrm>
-          <a:prstGeom prst="arc">
-            <a:avLst>
-              <a:gd name="adj1" fmla="val 77867"/>
-              <a:gd name="adj2" fmla="val 2270343"/>
-            </a:avLst>
-          </a:prstGeom>
-        </p:spPr>
-        <p:style>
-          <a:lnRef idx="1">
-            <a:schemeClr val="accent1"/>
-          </a:lnRef>
-          <a:fillRef idx="0">
-            <a:schemeClr val="accent1"/>
-          </a:fillRef>
-          <a:effectRef idx="0">
-            <a:schemeClr val="accent1"/>
-          </a:effectRef>
-          <a:fontRef idx="minor">
-            <a:schemeClr val="tx1"/>
-          </a:fontRef>
-        </p:style>
-        <p:txBody>
-          <a:bodyPr rtlCol="0" anchor="ctr"/>
-          <a:lstStyle/>
-          <a:p>
-            <a:pPr algn="ctr"/>
-            <a:endParaRPr lang="en-US"/>
-          </a:p>
-        </p:txBody>
-      </p:sp>
-      <p:sp>
-        <p:nvSpPr>
-          <p:cNvPr id="26" name="TextBox 25">
-            <a:extLst>
-              <a:ext uri="{FF2B5EF4-FFF2-40B4-BE49-F238E27FC236}">
-                <a16:creationId xmlns:a16="http://schemas.microsoft.com/office/drawing/2014/main" id="{8BD70DFE-77B3-4FC6-A9E8-D4AE0EF4059F}"/>
-              </a:ext>
-            </a:extLst>
-          </p:cNvPr>
-          <p:cNvSpPr txBox="1"/>
-          <p:nvPr/>
-        </p:nvSpPr>
-        <p:spPr>
-          <a:xfrm>
-            <a:off x="2157962" y="6311707"/>
-            <a:ext cx="317716" cy="369332"/>
-          </a:xfrm>
-          <a:prstGeom prst="rect">
-            <a:avLst/>
-          </a:prstGeom>
-          <a:noFill/>
-        </p:spPr>
-        <p:txBody>
-          <a:bodyPr wrap="none" rtlCol="0">
-            <a:spAutoFit/>
-          </a:bodyPr>
-          <a:lstStyle/>
-          <a:p>
-            <a:r>
-              <a:rPr lang="en-US" dirty="0"/>
-              <a:t>A</a:t>
-            </a:r>
-          </a:p>
-        </p:txBody>
-      </p:sp>
-      <p:sp>
-        <p:nvSpPr>
-          <p:cNvPr id="27" name="TextBox 26">
-            <a:extLst>
-              <a:ext uri="{FF2B5EF4-FFF2-40B4-BE49-F238E27FC236}">
-                <a16:creationId xmlns:a16="http://schemas.microsoft.com/office/drawing/2014/main" id="{E4990783-D5F8-498D-83C8-4E46FA8AD4C7}"/>
-              </a:ext>
-            </a:extLst>
-          </p:cNvPr>
-          <p:cNvSpPr txBox="1"/>
-          <p:nvPr/>
-        </p:nvSpPr>
-        <p:spPr>
-          <a:xfrm>
-            <a:off x="4767298" y="4157768"/>
-            <a:ext cx="309700" cy="369332"/>
-          </a:xfrm>
-          <a:prstGeom prst="rect">
-            <a:avLst/>
-          </a:prstGeom>
-          <a:noFill/>
-        </p:spPr>
-        <p:txBody>
-          <a:bodyPr wrap="none" rtlCol="0">
-            <a:spAutoFit/>
-          </a:bodyPr>
-          <a:lstStyle/>
-          <a:p>
-            <a:r>
-              <a:rPr lang="en-US" dirty="0"/>
-              <a:t>B</a:t>
-            </a:r>
-          </a:p>
-        </p:txBody>
-      </p:sp>
-      <p:sp>
-        <p:nvSpPr>
-          <p:cNvPr id="28" name="TextBox 27">
-            <a:extLst>
-              <a:ext uri="{FF2B5EF4-FFF2-40B4-BE49-F238E27FC236}">
-                <a16:creationId xmlns:a16="http://schemas.microsoft.com/office/drawing/2014/main" id="{521D45D2-4297-4578-BFA2-3180FA43E7D3}"/>
-              </a:ext>
-            </a:extLst>
-          </p:cNvPr>
-          <p:cNvSpPr txBox="1"/>
-          <p:nvPr/>
-        </p:nvSpPr>
-        <p:spPr>
-          <a:xfrm>
-            <a:off x="6409286" y="6420523"/>
-            <a:ext cx="308098" cy="369332"/>
-          </a:xfrm>
-          <a:prstGeom prst="rect">
-            <a:avLst/>
-          </a:prstGeom>
-          <a:noFill/>
-        </p:spPr>
-        <p:txBody>
-          <a:bodyPr wrap="none" rtlCol="0">
-            <a:spAutoFit/>
-          </a:bodyPr>
-          <a:lstStyle/>
-          <a:p>
-            <a:r>
-              <a:rPr lang="en-US" dirty="0"/>
-              <a:t>C</a:t>
-            </a:r>
-          </a:p>
-        </p:txBody>
-      </p:sp>
-      <p:cxnSp>
-        <p:nvCxnSpPr>
-          <p:cNvPr id="29" name="Straight Arrow Connector 28">
-            <a:extLst>
-              <a:ext uri="{FF2B5EF4-FFF2-40B4-BE49-F238E27FC236}">
-                <a16:creationId xmlns:a16="http://schemas.microsoft.com/office/drawing/2014/main" id="{B2A33B45-38CB-4D9C-9E5E-175BD118E532}"/>
-              </a:ext>
-            </a:extLst>
-          </p:cNvPr>
-          <p:cNvCxnSpPr>
-            <a:cxnSpLocks/>
-          </p:cNvCxnSpPr>
-          <p:nvPr/>
-        </p:nvCxnSpPr>
-        <p:spPr>
-          <a:xfrm>
-            <a:off x="2392337" y="6108402"/>
-            <a:ext cx="2031172" cy="0"/>
-          </a:xfrm>
-          <a:prstGeom prst="straightConnector1">
-            <a:avLst/>
-          </a:prstGeom>
-          <a:ln>
-            <a:tailEnd type="arrow"/>
-          </a:ln>
-        </p:spPr>
-        <p:style>
-          <a:lnRef idx="2">
-            <a:schemeClr val="dk1"/>
-          </a:lnRef>
-          <a:fillRef idx="0">
-            <a:schemeClr val="dk1"/>
-          </a:fillRef>
-          <a:effectRef idx="1">
-            <a:schemeClr val="dk1"/>
-          </a:effectRef>
-          <a:fontRef idx="minor">
-            <a:schemeClr val="tx1"/>
-          </a:fontRef>
-        </p:style>
-      </p:cxnSp>
-      <p:sp>
-        <p:nvSpPr>
-          <p:cNvPr id="30" name="TextBox 29">
-            <a:extLst>
-              <a:ext uri="{FF2B5EF4-FFF2-40B4-BE49-F238E27FC236}">
-                <a16:creationId xmlns:a16="http://schemas.microsoft.com/office/drawing/2014/main" id="{3F476E31-7CBD-4D6C-9003-01C0FF7028E8}"/>
-              </a:ext>
-            </a:extLst>
-          </p:cNvPr>
-          <p:cNvSpPr txBox="1"/>
-          <p:nvPr/>
-        </p:nvSpPr>
-        <p:spPr>
-          <a:xfrm>
-            <a:off x="2179704" y="3553963"/>
-            <a:ext cx="549989" cy="376469"/>
-          </a:xfrm>
-          <a:prstGeom prst="rect">
-            <a:avLst/>
-          </a:prstGeom>
-          <a:noFill/>
-        </p:spPr>
-        <p:txBody>
-          <a:bodyPr wrap="square" rtlCol="0">
-            <a:spAutoFit/>
-          </a:bodyPr>
-          <a:lstStyle/>
-          <a:p>
-            <a:r>
-              <a:rPr lang="en-US" dirty="0"/>
-              <a:t>y</a:t>
-            </a:r>
-          </a:p>
-        </p:txBody>
-      </p:sp>
-      <p:sp>
-        <p:nvSpPr>
-          <p:cNvPr id="31" name="TextBox 30">
-            <a:extLst>
-              <a:ext uri="{FF2B5EF4-FFF2-40B4-BE49-F238E27FC236}">
-                <a16:creationId xmlns:a16="http://schemas.microsoft.com/office/drawing/2014/main" id="{98F435B8-0D19-460A-AC13-9B1ABF927266}"/>
-              </a:ext>
-            </a:extLst>
-          </p:cNvPr>
-          <p:cNvSpPr txBox="1"/>
-          <p:nvPr/>
-        </p:nvSpPr>
-        <p:spPr>
-          <a:xfrm>
-            <a:off x="4487034" y="5907765"/>
-            <a:ext cx="540831" cy="376469"/>
-          </a:xfrm>
-          <a:prstGeom prst="rect">
-            <a:avLst/>
-          </a:prstGeom>
-          <a:noFill/>
-        </p:spPr>
-        <p:txBody>
-          <a:bodyPr wrap="square" rtlCol="0">
-            <a:spAutoFit/>
-          </a:bodyPr>
-          <a:lstStyle/>
-          <a:p>
-            <a:r>
-              <a:rPr lang="en-US" dirty="0"/>
-              <a:t>x</a:t>
-            </a:r>
-          </a:p>
-        </p:txBody>
-      </p:sp>
-      <p:cxnSp>
-        <p:nvCxnSpPr>
-          <p:cNvPr id="32" name="Straight Arrow Connector 31">
-            <a:extLst>
-              <a:ext uri="{FF2B5EF4-FFF2-40B4-BE49-F238E27FC236}">
-                <a16:creationId xmlns:a16="http://schemas.microsoft.com/office/drawing/2014/main" id="{8258B4CB-5878-4DC8-91C9-319D75B5CF02}"/>
-              </a:ext>
-            </a:extLst>
-          </p:cNvPr>
-          <p:cNvCxnSpPr>
-            <a:cxnSpLocks/>
-          </p:cNvCxnSpPr>
-          <p:nvPr/>
-        </p:nvCxnSpPr>
-        <p:spPr>
-          <a:xfrm flipV="1">
-            <a:off x="2330483" y="3953603"/>
-            <a:ext cx="0" cy="2129213"/>
-          </a:xfrm>
-          <a:prstGeom prst="straightConnector1">
-            <a:avLst/>
-          </a:prstGeom>
-          <a:ln>
-            <a:tailEnd type="arrow"/>
-          </a:ln>
-        </p:spPr>
-        <p:style>
-          <a:lnRef idx="2">
-            <a:schemeClr val="dk1"/>
-          </a:lnRef>
-          <a:fillRef idx="0">
-            <a:schemeClr val="dk1"/>
-          </a:fillRef>
-          <a:effectRef idx="1">
-            <a:schemeClr val="dk1"/>
-          </a:effectRef>
-          <a:fontRef idx="minor">
-            <a:schemeClr val="tx1"/>
-          </a:fontRef>
-        </p:style>
-      </p:cxnSp>
-      <p:cxnSp>
-        <p:nvCxnSpPr>
-          <p:cNvPr id="33" name="Straight Arrow Connector 32">
-            <a:extLst>
-              <a:ext uri="{FF2B5EF4-FFF2-40B4-BE49-F238E27FC236}">
-                <a16:creationId xmlns:a16="http://schemas.microsoft.com/office/drawing/2014/main" id="{A7C9AD6C-AD71-4CAF-BE07-6E8ABA87D1E3}"/>
-              </a:ext>
-            </a:extLst>
-          </p:cNvPr>
-          <p:cNvCxnSpPr>
-            <a:cxnSpLocks/>
-          </p:cNvCxnSpPr>
-          <p:nvPr/>
-        </p:nvCxnSpPr>
-        <p:spPr>
-          <a:xfrm flipH="1">
-            <a:off x="6534829" y="6165252"/>
-            <a:ext cx="1011212" cy="0"/>
-          </a:xfrm>
-          <a:prstGeom prst="straightConnector1">
-            <a:avLst/>
-          </a:prstGeom>
-          <a:ln>
-            <a:tailEnd type="arrow"/>
-          </a:ln>
-        </p:spPr>
-        <p:style>
-          <a:lnRef idx="2">
-            <a:schemeClr val="accent1"/>
-          </a:lnRef>
-          <a:fillRef idx="0">
-            <a:schemeClr val="accent1"/>
-          </a:fillRef>
-          <a:effectRef idx="1">
-            <a:schemeClr val="accent1"/>
-          </a:effectRef>
-          <a:fontRef idx="minor">
-            <a:schemeClr val="tx1"/>
-          </a:fontRef>
-        </p:style>
-      </p:cxnSp>
-      <mc:AlternateContent xmlns:mc="http://schemas.openxmlformats.org/markup-compatibility/2006" xmlns:a14="http://schemas.microsoft.com/office/drawing/2010/main">
-        <mc:Choice Requires="a14">
-          <p:sp>
-            <p:nvSpPr>
-              <p:cNvPr id="35" name="TextBox 34">
-                <a:extLst>
-                  <a:ext uri="{FF2B5EF4-FFF2-40B4-BE49-F238E27FC236}">
-                    <a16:creationId xmlns:a16="http://schemas.microsoft.com/office/drawing/2014/main" id="{8E562BB6-6F92-41EB-AD92-2256E6357593}"/>
-                  </a:ext>
-                </a:extLst>
-              </p:cNvPr>
-              <p:cNvSpPr txBox="1"/>
-              <p:nvPr/>
-            </p:nvSpPr>
-            <p:spPr>
-              <a:xfrm>
-                <a:off x="7523815" y="5827163"/>
-                <a:ext cx="1239185" cy="618887"/>
-              </a:xfrm>
-              <a:prstGeom prst="rect">
-                <a:avLst/>
-              </a:prstGeom>
-              <a:noFill/>
-            </p:spPr>
-            <p:txBody>
-              <a:bodyPr wrap="none" rtlCol="0">
-                <a:spAutoFit/>
-              </a:bodyPr>
-              <a:lstStyle/>
-              <a:p>
-                <a:pPr/>
-                <a14:m>
-                  <m:oMathPara xmlns:m="http://schemas.openxmlformats.org/officeDocument/2006/math">
-                    <m:oMathParaPr>
-                      <m:jc m:val="centerGroup"/>
-                    </m:oMathParaPr>
-                    <m:oMath xmlns:m="http://schemas.openxmlformats.org/officeDocument/2006/math">
-                      <m:sSub>
-                        <m:sSubPr>
-                          <m:ctrlPr>
-                            <a:rPr lang="en-US" b="0" i="1" smtClean="0">
-                              <a:solidFill>
-                                <a:schemeClr val="accent1"/>
-                              </a:solidFill>
-                              <a:latin typeface="Cambria Math" panose="02040503050406030204" pitchFamily="18" charset="0"/>
-                              <a:ea typeface="Cambria Math"/>
-                            </a:rPr>
-                          </m:ctrlPr>
-                        </m:sSubPr>
-                        <m:e>
-                          <m:r>
-                            <a:rPr lang="en-US" b="0" i="1" smtClean="0">
-                              <a:solidFill>
-                                <a:schemeClr val="accent1"/>
-                              </a:solidFill>
-                              <a:latin typeface="Cambria Math" panose="02040503050406030204" pitchFamily="18" charset="0"/>
-                              <a:ea typeface="Cambria Math"/>
-                            </a:rPr>
-                            <m:t>𝑣</m:t>
-                          </m:r>
-                        </m:e>
-                        <m:sub>
-                          <m:r>
-                            <a:rPr lang="en-US" b="0" i="1" smtClean="0">
-                              <a:solidFill>
-                                <a:schemeClr val="accent1"/>
-                              </a:solidFill>
-                              <a:latin typeface="Cambria Math" panose="02040503050406030204" pitchFamily="18" charset="0"/>
-                              <a:ea typeface="Cambria Math"/>
-                            </a:rPr>
-                            <m:t>𝑐</m:t>
-                          </m:r>
-                        </m:sub>
-                      </m:sSub>
-                      <m:r>
-                        <a:rPr lang="en-US" b="0" i="0" smtClean="0">
-                          <a:solidFill>
-                            <a:schemeClr val="accent1"/>
-                          </a:solidFill>
-                          <a:latin typeface="Cambria Math"/>
-                          <a:ea typeface="Cambria Math"/>
-                        </a:rPr>
-                        <m:t>=−</m:t>
-                      </m:r>
-                      <m:r>
-                        <a:rPr lang="en-US" b="0" i="0" smtClean="0">
-                          <a:solidFill>
-                            <a:schemeClr val="accent1"/>
-                          </a:solidFill>
-                          <a:latin typeface="Cambria Math" panose="02040503050406030204" pitchFamily="18" charset="0"/>
-                          <a:ea typeface="Cambria Math"/>
-                        </a:rPr>
-                        <m:t>1</m:t>
-                      </m:r>
-                      <m:f>
-                        <m:fPr>
-                          <m:ctrlPr>
-                            <a:rPr lang="en-US" b="0" i="1" smtClean="0">
-                              <a:solidFill>
-                                <a:schemeClr val="accent1"/>
-                              </a:solidFill>
-                              <a:latin typeface="Cambria Math" panose="02040503050406030204" pitchFamily="18" charset="0"/>
-                              <a:ea typeface="Cambria Math"/>
-                            </a:rPr>
-                          </m:ctrlPr>
-                        </m:fPr>
-                        <m:num>
-                          <m:r>
-                            <m:rPr>
-                              <m:sty m:val="p"/>
-                            </m:rPr>
-                            <a:rPr lang="en-US" b="0" i="0" smtClean="0">
-                              <a:solidFill>
-                                <a:schemeClr val="accent1"/>
-                              </a:solidFill>
-                              <a:latin typeface="Cambria Math" panose="02040503050406030204" pitchFamily="18" charset="0"/>
-                              <a:ea typeface="Cambria Math"/>
-                            </a:rPr>
-                            <m:t>ft</m:t>
-                          </m:r>
-                        </m:num>
-                        <m:den>
-                          <m:r>
-                            <m:rPr>
-                              <m:sty m:val="p"/>
-                            </m:rPr>
-                            <a:rPr lang="en-US" b="0" i="0" smtClean="0">
-                              <a:solidFill>
-                                <a:schemeClr val="accent1"/>
-                              </a:solidFill>
-                              <a:latin typeface="Cambria Math" panose="02040503050406030204" pitchFamily="18" charset="0"/>
-                              <a:ea typeface="Cambria Math"/>
-                            </a:rPr>
-                            <m:t>s</m:t>
-                          </m:r>
-                        </m:den>
-                      </m:f>
-                    </m:oMath>
-                  </m:oMathPara>
-                </a14:m>
-                <a:endParaRPr lang="en-US" dirty="0">
-                  <a:solidFill>
-                    <a:schemeClr val="accent1"/>
-                  </a:solidFill>
-                </a:endParaRPr>
-              </a:p>
-            </p:txBody>
-          </p:sp>
-        </mc:Choice>
-        <mc:Fallback xmlns="">
-          <p:sp>
-            <p:nvSpPr>
-              <p:cNvPr id="35" name="TextBox 34">
-                <a:extLst>
-                  <a:ext uri="{FF2B5EF4-FFF2-40B4-BE49-F238E27FC236}">
-                    <a16:creationId xmlns:a16="http://schemas.microsoft.com/office/drawing/2014/main" id="{8E562BB6-6F92-41EB-AD92-2256E6357593}"/>
-                  </a:ext>
-                </a:extLst>
-              </p:cNvPr>
-              <p:cNvSpPr txBox="1">
-                <a:spLocks noRot="1" noChangeAspect="1" noMove="1" noResize="1" noEditPoints="1" noAdjustHandles="1" noChangeArrowheads="1" noChangeShapeType="1" noTextEdit="1"/>
-              </p:cNvSpPr>
-              <p:nvPr/>
-            </p:nvSpPr>
-            <p:spPr>
-              <a:xfrm>
-                <a:off x="7523815" y="5827163"/>
-                <a:ext cx="1239185" cy="618887"/>
-              </a:xfrm>
-              <a:prstGeom prst="rect">
-                <a:avLst/>
-              </a:prstGeom>
-              <a:blipFill>
-                <a:blip r:embed="rId4"/>
-                <a:stretch>
-                  <a:fillRect/>
-                </a:stretch>
-              </a:blipFill>
-            </p:spPr>
-            <p:txBody>
-              <a:bodyPr/>
-              <a:lstStyle/>
-              <a:p>
-                <a:r>
-                  <a:rPr lang="en-US">
-                    <a:noFill/>
-                  </a:rPr>
-                  <a:t> </a:t>
-                </a:r>
-              </a:p>
-            </p:txBody>
-          </p:sp>
-        </mc:Fallback>
-      </mc:AlternateContent>
-      <p:sp>
-        <p:nvSpPr>
           <p:cNvPr id="34" name="Content Placeholder 2">
             <a:extLst>
               <a:ext uri="{FF2B5EF4-FFF2-40B4-BE49-F238E27FC236}">
@@ -5271,12 +3811,12 @@
         <p:spPr>
           <a:xfrm>
             <a:off x="457200" y="1600201"/>
-            <a:ext cx="8229600" cy="2016404"/>
+            <a:ext cx="4248150" cy="4829174"/>
           </a:xfrm>
         </p:spPr>
         <p:txBody>
           <a:bodyPr>
-            <a:normAutofit fontScale="85000" lnSpcReduction="10000"/>
+            <a:normAutofit fontScale="92500" lnSpcReduction="10000"/>
           </a:bodyPr>
           <a:lstStyle/>
           <a:p>
@@ -5284,12 +3824,166 @@
               <a:buNone/>
             </a:pPr>
             <a:r>
-              <a:rPr lang="en-US" dirty="0"/>
-              <a:t>A robotic arm is in the configuration shown below. Assume that theta is currently 30 degrees and that point C currently lies along the x axis. If we want the end effector at C to travel 1 ft/s in the negative x direction, what should the angular velocities be at joints A and B?</a:t>
-            </a:r>
-          </a:p>
-        </p:txBody>
-      </p:sp>
+              <a:rPr lang="en-US" b="0" i="0" dirty="0">
+                <a:solidFill>
+                  <a:srgbClr val="000000"/>
+                </a:solidFill>
+                <a:effectLst/>
+                <a:latin typeface="Arial" panose="020B0604020202020204" pitchFamily="34" charset="0"/>
+              </a:rPr>
+              <a:t>Two rods, </a:t>
+            </a:r>
+            <a:r>
+              <a:rPr lang="en-US" b="0" i="1" dirty="0">
+                <a:solidFill>
+                  <a:srgbClr val="000000"/>
+                </a:solidFill>
+                <a:effectLst/>
+                <a:latin typeface="Arial" panose="020B0604020202020204" pitchFamily="34" charset="0"/>
+              </a:rPr>
+              <a:t>AB</a:t>
+            </a:r>
+            <a:r>
+              <a:rPr lang="en-US" b="0" i="0" dirty="0">
+                <a:solidFill>
+                  <a:srgbClr val="000000"/>
+                </a:solidFill>
+                <a:effectLst/>
+                <a:latin typeface="Arial" panose="020B0604020202020204" pitchFamily="34" charset="0"/>
+              </a:rPr>
+              <a:t> and </a:t>
+            </a:r>
+            <a:r>
+              <a:rPr lang="en-US" b="0" i="1" dirty="0">
+                <a:solidFill>
+                  <a:srgbClr val="000000"/>
+                </a:solidFill>
+                <a:effectLst/>
+                <a:latin typeface="Arial" panose="020B0604020202020204" pitchFamily="34" charset="0"/>
+              </a:rPr>
+              <a:t>BC</a:t>
+            </a:r>
+            <a:r>
+              <a:rPr lang="en-US" b="0" i="0" dirty="0">
+                <a:solidFill>
+                  <a:srgbClr val="000000"/>
+                </a:solidFill>
+                <a:effectLst/>
+                <a:latin typeface="Arial" panose="020B0604020202020204" pitchFamily="34" charset="0"/>
+              </a:rPr>
+              <a:t>, are connected and moving. A pin at point </a:t>
+            </a:r>
+            <a:r>
+              <a:rPr lang="en-US" b="0" i="1" dirty="0">
+                <a:solidFill>
+                  <a:srgbClr val="000000"/>
+                </a:solidFill>
+                <a:effectLst/>
+                <a:latin typeface="Arial" panose="020B0604020202020204" pitchFamily="34" charset="0"/>
+              </a:rPr>
+              <a:t>A</a:t>
+            </a:r>
+            <a:r>
+              <a:rPr lang="en-US" b="0" i="0" dirty="0">
+                <a:solidFill>
+                  <a:srgbClr val="000000"/>
+                </a:solidFill>
+                <a:effectLst/>
+                <a:latin typeface="Arial" panose="020B0604020202020204" pitchFamily="34" charset="0"/>
+              </a:rPr>
+              <a:t> follows the vertical slot shown. Find the ICZV for each rod at the instant shown. If rod </a:t>
+            </a:r>
+            <a:r>
+              <a:rPr lang="en-US" b="0" i="1" dirty="0">
+                <a:solidFill>
+                  <a:srgbClr val="000000"/>
+                </a:solidFill>
+                <a:effectLst/>
+                <a:latin typeface="Arial" panose="020B0604020202020204" pitchFamily="34" charset="0"/>
+              </a:rPr>
+              <a:t>BC</a:t>
+            </a:r>
+            <a:r>
+              <a:rPr lang="en-US" b="0" i="0" dirty="0">
+                <a:solidFill>
+                  <a:srgbClr val="000000"/>
+                </a:solidFill>
+                <a:effectLst/>
+                <a:latin typeface="Arial" panose="020B0604020202020204" pitchFamily="34" charset="0"/>
+              </a:rPr>
+              <a:t> has an angular velocity of 3 rad/s, find the angular velocity of rod </a:t>
+            </a:r>
+            <a:r>
+              <a:rPr lang="en-US" b="0" i="1" dirty="0">
+                <a:solidFill>
+                  <a:srgbClr val="000000"/>
+                </a:solidFill>
+                <a:effectLst/>
+                <a:latin typeface="Arial" panose="020B0604020202020204" pitchFamily="34" charset="0"/>
+              </a:rPr>
+              <a:t>AB</a:t>
+            </a:r>
+            <a:r>
+              <a:rPr lang="en-US" b="0" i="0" dirty="0">
+                <a:solidFill>
+                  <a:srgbClr val="000000"/>
+                </a:solidFill>
+                <a:effectLst/>
+                <a:latin typeface="Arial" panose="020B0604020202020204" pitchFamily="34" charset="0"/>
+              </a:rPr>
+              <a:t>.</a:t>
+            </a:r>
+            <a:endParaRPr lang="en-US" dirty="0"/>
+          </a:p>
+        </p:txBody>
+      </p:sp>
+      <p:pic>
+        <p:nvPicPr>
+          <p:cNvPr id="2050" name="Picture 2" descr="Problem 2 Diagram">
+            <a:extLst>
+              <a:ext uri="{FF2B5EF4-FFF2-40B4-BE49-F238E27FC236}">
+                <a16:creationId xmlns:a16="http://schemas.microsoft.com/office/drawing/2014/main" id="{5D6C2417-0590-4B11-A4F3-ABD91C308A94}"/>
+              </a:ext>
+            </a:extLst>
+          </p:cNvPr>
+          <p:cNvPicPr>
+            <a:picLocks noChangeAspect="1" noChangeArrowheads="1"/>
+          </p:cNvPicPr>
+          <p:nvPr/>
+        </p:nvPicPr>
+        <p:blipFill>
+          <a:blip r:embed="rId2" cstate="print">
+            <a:extLst>
+              <a:ext uri="{28A0092B-C50C-407E-A947-70E740481C1C}">
+                <a14:useLocalDpi xmlns:a14="http://schemas.microsoft.com/office/drawing/2010/main" val="0"/>
+              </a:ext>
+            </a:extLst>
+          </a:blip>
+          <a:srcRect/>
+          <a:stretch>
+            <a:fillRect/>
+          </a:stretch>
+        </p:blipFill>
+        <p:spPr bwMode="auto">
+          <a:xfrm>
+            <a:off x="5554306" y="1600201"/>
+            <a:ext cx="3208694" cy="4705214"/>
+          </a:xfrm>
+          <a:prstGeom prst="rect">
+            <a:avLst/>
+          </a:prstGeom>
+          <a:noFill/>
+          <a:extLst>
+            <a:ext uri="{909E8E84-426E-40DD-AFC4-6F175D3DCCD1}">
+              <a14:hiddenFill xmlns:a14="http://schemas.microsoft.com/office/drawing/2010/main">
+                <a:solidFill>
+                  <a:srgbClr val="FFFFFF"/>
+                </a:solidFill>
+              </a14:hiddenFill>
+            </a:ext>
+          </a:extLst>
+        </p:spPr>
+      </p:pic>
     </p:spTree>
     <p:extLst>
       <p:ext uri="{BB962C8B-B14F-4D97-AF65-F5344CB8AC3E}">
@@ -5463,8 +4157,8 @@
           </a:p>
         </p:txBody>
       </p:sp>
-      <mc:AlternateContent xmlns:mc="http://schemas.openxmlformats.org/markup-compatibility/2006">
-        <mc:Choice xmlns:a14="http://schemas.microsoft.com/office/drawing/2010/main" Requires="a14">
+      <mc:AlternateContent xmlns:mc="http://schemas.openxmlformats.org/markup-compatibility/2006" xmlns:a14="http://schemas.microsoft.com/office/drawing/2010/main">
+        <mc:Choice Requires="a14">
           <p:sp>
             <p:nvSpPr>
               <p:cNvPr id="3" name="Content Placeholder 2"/>
@@ -5901,7 +4595,7 @@
             </p:txBody>
           </p:sp>
         </mc:Choice>
-        <mc:Fallback>
+        <mc:Fallback xmlns="">
           <p:sp>
             <p:nvSpPr>
               <p:cNvPr id="3" name="Content Placeholder 2"/>
@@ -6470,7 +5164,7 @@
           <p:nvPr/>
         </p:nvPicPr>
         <p:blipFill>
-          <a:blip r:embed="rId5">
+          <a:blip r:embed="rId5" cstate="print">
             <a:extLst>
               <a:ext uri="{28A0092B-C50C-407E-A947-70E740481C1C}">
                 <a14:useLocalDpi xmlns:a14="http://schemas.microsoft.com/office/drawing/2010/main" val="0"/>
@@ -8527,8 +7221,8 @@
           </a:fontRef>
         </p:style>
       </p:cxnSp>
-      <mc:AlternateContent xmlns:mc="http://schemas.openxmlformats.org/markup-compatibility/2006">
-        <mc:Choice xmlns:a14="http://schemas.microsoft.com/office/drawing/2010/main" Requires="a14">
+      <mc:AlternateContent xmlns:mc="http://schemas.openxmlformats.org/markup-compatibility/2006" xmlns:a14="http://schemas.microsoft.com/office/drawing/2010/main">
+        <mc:Choice Requires="a14">
           <p:sp>
             <p:nvSpPr>
               <p:cNvPr id="9" name="TextBox 8">
@@ -8612,7 +7306,7 @@
             </p:txBody>
           </p:sp>
         </mc:Choice>
-        <mc:Fallback>
+        <mc:Fallback xmlns="">
           <p:sp>
             <p:nvSpPr>
               <p:cNvPr id="9" name="TextBox 8">
@@ -8657,8 +7351,8 @@
           </p:sp>
         </mc:Fallback>
       </mc:AlternateContent>
-      <mc:AlternateContent xmlns:mc="http://schemas.openxmlformats.org/markup-compatibility/2006">
-        <mc:Choice xmlns:a14="http://schemas.microsoft.com/office/drawing/2010/main" Requires="a14">
+      <mc:AlternateContent xmlns:mc="http://schemas.openxmlformats.org/markup-compatibility/2006" xmlns:a14="http://schemas.microsoft.com/office/drawing/2010/main">
+        <mc:Choice Requires="a14">
           <p:sp>
             <p:nvSpPr>
               <p:cNvPr id="10" name="TextBox 9">
@@ -8742,7 +7436,7 @@
             </p:txBody>
           </p:sp>
         </mc:Choice>
-        <mc:Fallback>
+        <mc:Fallback xmlns="">
           <p:sp>
             <p:nvSpPr>
               <p:cNvPr id="10" name="TextBox 9">
@@ -9276,8 +7970,8 @@
           </a:fontRef>
         </p:style>
       </p:cxnSp>
-      <mc:AlternateContent xmlns:mc="http://schemas.openxmlformats.org/markup-compatibility/2006">
-        <mc:Choice xmlns:a14="http://schemas.microsoft.com/office/drawing/2010/main" Requires="a14">
+      <mc:AlternateContent xmlns:mc="http://schemas.openxmlformats.org/markup-compatibility/2006" xmlns:a14="http://schemas.microsoft.com/office/drawing/2010/main">
+        <mc:Choice Requires="a14">
           <p:sp>
             <p:nvSpPr>
               <p:cNvPr id="45" name="TextBox 44">
@@ -9361,7 +8055,7 @@
             </p:txBody>
           </p:sp>
         </mc:Choice>
-        <mc:Fallback>
+        <mc:Fallback xmlns="">
           <p:sp>
             <p:nvSpPr>
               <p:cNvPr id="45" name="TextBox 44">
@@ -9406,8 +8100,8 @@
           </p:sp>
         </mc:Fallback>
       </mc:AlternateContent>
-      <mc:AlternateContent xmlns:mc="http://schemas.openxmlformats.org/markup-compatibility/2006">
-        <mc:Choice xmlns:a14="http://schemas.microsoft.com/office/drawing/2010/main" Requires="a14">
+      <mc:AlternateContent xmlns:mc="http://schemas.openxmlformats.org/markup-compatibility/2006" xmlns:a14="http://schemas.microsoft.com/office/drawing/2010/main">
+        <mc:Choice Requires="a14">
           <p:sp>
             <p:nvSpPr>
               <p:cNvPr id="46" name="TextBox 45">
@@ -9491,7 +8185,7 @@
             </p:txBody>
           </p:sp>
         </mc:Choice>
-        <mc:Fallback>
+        <mc:Fallback xmlns="">
           <p:sp>
             <p:nvSpPr>
               <p:cNvPr id="46" name="TextBox 45">
@@ -9910,8 +8604,8 @@
           </a:fontRef>
         </p:style>
       </p:cxnSp>
-      <mc:AlternateContent xmlns:mc="http://schemas.openxmlformats.org/markup-compatibility/2006">
-        <mc:Choice xmlns:a14="http://schemas.microsoft.com/office/drawing/2010/main" Requires="a14">
+      <mc:AlternateContent xmlns:mc="http://schemas.openxmlformats.org/markup-compatibility/2006" xmlns:a14="http://schemas.microsoft.com/office/drawing/2010/main">
+        <mc:Choice Requires="a14">
           <p:sp>
             <p:nvSpPr>
               <p:cNvPr id="60" name="TextBox 59">
@@ -9995,7 +8689,7 @@
             </p:txBody>
           </p:sp>
         </mc:Choice>
-        <mc:Fallback>
+        <mc:Fallback xmlns="">
           <p:sp>
             <p:nvSpPr>
               <p:cNvPr id="60" name="TextBox 59">
@@ -10040,8 +8734,8 @@
           </p:sp>
         </mc:Fallback>
       </mc:AlternateContent>
-      <mc:AlternateContent xmlns:mc="http://schemas.openxmlformats.org/markup-compatibility/2006">
-        <mc:Choice xmlns:a14="http://schemas.microsoft.com/office/drawing/2010/main" Requires="a14">
+      <mc:AlternateContent xmlns:mc="http://schemas.openxmlformats.org/markup-compatibility/2006" xmlns:a14="http://schemas.microsoft.com/office/drawing/2010/main">
+        <mc:Choice Requires="a14">
           <p:sp>
             <p:nvSpPr>
               <p:cNvPr id="61" name="TextBox 60">
@@ -10125,7 +8819,7 @@
             </p:txBody>
           </p:sp>
         </mc:Choice>
-        <mc:Fallback>
+        <mc:Fallback xmlns="">
           <p:sp>
             <p:nvSpPr>
               <p:cNvPr id="61" name="TextBox 60">
@@ -10901,7 +9595,7 @@
         </p:spPr>
         <p:txBody>
           <a:bodyPr>
-            <a:normAutofit fontScale="77500" lnSpcReduction="20000"/>
+            <a:normAutofit fontScale="70000" lnSpcReduction="20000"/>
           </a:bodyPr>
           <a:lstStyle/>
           <a:p>
@@ -10910,17 +9604,17 @@
             </a:pPr>
             <a:r>
               <a:rPr lang="en-US" dirty="0"/>
-              <a:t>A ladder is propped up against a wall as shown below. If the base of the ladder is sliding out at a speed of 2 m/s, what is the velocity of the COG of the ladder (at the mid-point)?</a:t>
+              <a:t>A ladder is propped up against a wall as shown below. If the base of the ladder is sliding out at a speed of 2 m/s, what is the velocity of the center of mass (G) of the ladder (at the mid-point)?</a:t>
             </a:r>
           </a:p>
         </p:txBody>
       </p:sp>
       <p:pic>
         <p:nvPicPr>
-          <p:cNvPr id="1026" name="Picture 2" descr="Problem 3 Diagram">
+          <p:cNvPr id="4" name="Picture 2" descr="Problem 1 Diagram">
             <a:extLst>
               <a:ext uri="{FF2B5EF4-FFF2-40B4-BE49-F238E27FC236}">
-                <a16:creationId xmlns:a16="http://schemas.microsoft.com/office/drawing/2014/main" id="{9ADCE3F2-3378-4F52-9411-66A6A35A85D2}"/>
+                <a16:creationId xmlns:a16="http://schemas.microsoft.com/office/drawing/2014/main" id="{FEC6B885-4BC7-4DCE-BD86-68BBF832A291}"/>
               </a:ext>
             </a:extLst>
           </p:cNvPr>
@@ -10930,7 +9624,7 @@
           <p:nvPr/>
         </p:nvPicPr>
         <p:blipFill>
-          <a:blip r:embed="rId2">
+          <a:blip r:embed="rId2" cstate="print">
             <a:extLst>
               <a:ext uri="{28A0092B-C50C-407E-A947-70E740481C1C}">
                 <a14:useLocalDpi xmlns:a14="http://schemas.microsoft.com/office/drawing/2010/main" val="0"/>
@@ -10944,8 +9638,8 @@
         </p:blipFill>
         <p:spPr bwMode="auto">
           <a:xfrm>
-            <a:off x="2667000" y="3200400"/>
-            <a:ext cx="3810000" cy="3552825"/>
+            <a:off x="2219325" y="2699226"/>
+            <a:ext cx="4233863" cy="4158774"/>
           </a:xfrm>
           <a:prstGeom prst="rect">
             <a:avLst/>
@@ -11546,6 +10240,15 @@
 </file>
 
 <file path=customXml/item1.xml><?xml version="1.0" encoding="utf-8"?>
+<?mso-contentType ?>
+<FormTemplates xmlns="http://schemas.microsoft.com/sharepoint/v3/contenttype/forms">
+  <Display>DocumentLibraryForm</Display>
+  <Edit>DocumentLibraryForm</Edit>
+  <New>DocumentLibraryForm</New>
+</FormTemplates>
+</file>
+
+<file path=customXml/item2.xml><?xml version="1.0" encoding="utf-8"?>
 <ct:contentTypeSchema xmlns:ct="http://schemas.microsoft.com/office/2006/metadata/contentType" xmlns:ma="http://schemas.microsoft.com/office/2006/metadata/properties/metaAttributes" ct:_="" ma:_="" ma:contentTypeName="Document" ma:contentTypeID="0x010100A06DF21F5BB2734A800ED30F3F452129" ma:contentTypeVersion="12" ma:contentTypeDescription="Create a new document." ma:contentTypeScope="" ma:versionID="544d96a5fbac5de9d5d902b535c73fb2">
   <xsd:schema xmlns:xsd="http://www.w3.org/2001/XMLSchema" xmlns:xs="http://www.w3.org/2001/XMLSchema" xmlns:p="http://schemas.microsoft.com/office/2006/metadata/properties" xmlns:ns3="90d05cb5-950f-4f68-bc2c-e17794455b92" xmlns:ns4="b4eab9fa-dbb0-4082-8491-8bd54207a265" targetNamespace="http://schemas.microsoft.com/office/2006/metadata/properties" ma:root="true" ma:fieldsID="7a710efc71c2169bf9c05e5a40dddf12" ns3:_="" ns4:_="">
     <xsd:import namespace="90d05cb5-950f-4f68-bc2c-e17794455b92"/>
@@ -11762,15 +10465,6 @@
 </ct:contentTypeSchema>
 </file>
 
-<file path=customXml/item2.xml><?xml version="1.0" encoding="utf-8"?>
-<?mso-contentType ?>
-<FormTemplates xmlns="http://schemas.microsoft.com/sharepoint/v3/contenttype/forms">
-  <Display>DocumentLibraryForm</Display>
-  <Edit>DocumentLibraryForm</Edit>
-  <New>DocumentLibraryForm</New>
-</FormTemplates>
-</file>
-
 <file path=customXml/item3.xml><?xml version="1.0" encoding="utf-8"?>
 <p:properties xmlns:p="http://schemas.microsoft.com/office/2006/metadata/properties" xmlns:xsi="http://www.w3.org/2001/XMLSchema-instance" xmlns:pc="http://schemas.microsoft.com/office/infopath/2007/PartnerControls">
   <documentManagement/>
@@ -11778,6 +10472,14 @@
 </file>
 
 <file path=customXml/itemProps1.xml><?xml version="1.0" encoding="utf-8"?>
+<ds:datastoreItem xmlns:ds="http://schemas.openxmlformats.org/officeDocument/2006/customXml" ds:itemID="{F5CF5F32-56DC-4068-8B04-457CF34A96F3}">
+  <ds:schemaRefs>
+    <ds:schemaRef ds:uri="http://schemas.microsoft.com/sharepoint/v3/contenttype/forms"/>
+  </ds:schemaRefs>
+</ds:datastoreItem>
+</file>
+
+<file path=customXml/itemProps2.xml><?xml version="1.0" encoding="utf-8"?>
 <ds:datastoreItem xmlns:ds="http://schemas.openxmlformats.org/officeDocument/2006/customXml" ds:itemID="{A43B8A4B-79FE-4529-931C-D64224FA70E3}">
   <ds:schemaRefs>
     <ds:schemaRef ds:uri="http://schemas.microsoft.com/office/2006/metadata/contentType"/>
@@ -11792,14 +10494,6 @@
     <ds:schemaRef ds:uri="http://purl.org/dc/elements/1.1/"/>
     <ds:schemaRef ds:uri="http://purl.org/dc/terms/"/>
     <ds:schemaRef ds:uri="http://schemas.microsoft.com/internal/obd"/>
-  </ds:schemaRefs>
-</ds:datastoreItem>
-</file>
-
-<file path=customXml/itemProps2.xml><?xml version="1.0" encoding="utf-8"?>
-<ds:datastoreItem xmlns:ds="http://schemas.openxmlformats.org/officeDocument/2006/customXml" ds:itemID="{F5CF5F32-56DC-4068-8B04-457CF34A96F3}">
-  <ds:schemaRefs>
-    <ds:schemaRef ds:uri="http://schemas.microsoft.com/sharepoint/v3/contenttype/forms"/>
   </ds:schemaRefs>
 </ds:datastoreItem>
 </file>
